--- a/apresentações/Apresentação2.pptx
+++ b/apresentações/Apresentação2.pptx
@@ -134,6 +134,30 @@
 
 <file path=ppt/changesInfos/changesInfo1.xml><?xml version="1.0" encoding="utf-8"?>
 <pc:chgInfo xmlns:a="http://schemas.openxmlformats.org/drawingml/2006/main" xmlns:r="http://schemas.openxmlformats.org/officeDocument/2006/relationships" xmlns:ac="http://schemas.microsoft.com/office/drawing/2013/main/command" xmlns:pc="http://schemas.microsoft.com/office/powerpoint/2013/main/command">
+  <pc:docChgLst>
+    <pc:chgData name="Gongas 1331" userId="df032c020f298233" providerId="LiveId" clId="{18C5707A-E93F-44DF-BBCC-7AD0E38F1385}"/>
+    <pc:docChg chg="modSld">
+      <pc:chgData name="Gongas 1331" userId="df032c020f298233" providerId="LiveId" clId="{18C5707A-E93F-44DF-BBCC-7AD0E38F1385}" dt="2023-05-04T10:18:14.079" v="15" actId="20577"/>
+      <pc:docMkLst>
+        <pc:docMk/>
+      </pc:docMkLst>
+      <pc:sldChg chg="modSp mod">
+        <pc:chgData name="Gongas 1331" userId="df032c020f298233" providerId="LiveId" clId="{18C5707A-E93F-44DF-BBCC-7AD0E38F1385}" dt="2023-05-04T10:18:14.079" v="15" actId="20577"/>
+        <pc:sldMkLst>
+          <pc:docMk/>
+          <pc:sldMk cId="2358758316" sldId="258"/>
+        </pc:sldMkLst>
+        <pc:spChg chg="mod">
+          <ac:chgData name="Gongas 1331" userId="df032c020f298233" providerId="LiveId" clId="{18C5707A-E93F-44DF-BBCC-7AD0E38F1385}" dt="2023-05-04T10:18:14.079" v="15" actId="20577"/>
+          <ac:spMkLst>
+            <pc:docMk/>
+            <pc:sldMk cId="2358758316" sldId="258"/>
+            <ac:spMk id="2" creationId="{89C022B9-91C8-FE74-C79F-5212FD61B8BF}"/>
+          </ac:spMkLst>
+        </pc:spChg>
+      </pc:sldChg>
+    </pc:docChg>
+  </pc:docChgLst>
   <pc:docChgLst>
     <pc:chgData name="Antonio Moreira" userId="94ac1cd599add5fd" providerId="LiveId" clId="{DF531EB2-FF1B-4D0C-9DA0-E89AC22253DE}"/>
     <pc:docChg chg="undo custSel addSld delSld modSld sldOrd">
@@ -16786,7 +16810,7 @@
             <a:pPr algn="ctr"/>
             <a:r>
               <a:rPr lang="pt-PT" sz="5200" dirty="0"/>
-              <a:t>Personas</a:t>
+              <a:t>Utilizadores</a:t>
             </a:r>
           </a:p>
         </p:txBody>
